--- a/templates/tecnologico.pptx
+++ b/templates/tecnologico.pptx
@@ -232,7 +232,7 @@
             <a:pPr rtl="0"/>
             <a:fld id="{D0E43EA8-C83F-40B4-821D-381469DAC3C5}" type="datetime1">
               <a:rPr lang="es-ES" smtClean="0"/>
-              <a:t>24/05/2025</a:t>
+              <a:t>25/05/2025</a:t>
             </a:fld>
             <a:endParaRPr lang="es-ES"/>
           </a:p>
@@ -414,7 +414,7 @@
             <a:pPr rtl="0"/>
             <a:fld id="{BB196330-F357-4FA5-8E24-14646E9FA556}" type="datetime1">
               <a:rPr lang="es-ES" noProof="0" smtClean="0"/>
-              <a:t>24/05/2025</a:t>
+              <a:t>25/05/2025</a:t>
             </a:fld>
             <a:endParaRPr lang="es-ES" noProof="0"/>
           </a:p>
@@ -1001,7 +1001,7 @@
             <a:pPr rtl="0"/>
             <a:fld id="{DB2FE8E8-091D-478B-96D3-F0BCBE902769}" type="datetime1">
               <a:rPr lang="es-ES" noProof="0" smtClean="0"/>
-              <a:t>24/05/2025</a:t>
+              <a:t>25/05/2025</a:t>
             </a:fld>
             <a:endParaRPr lang="es-ES" noProof="0"/>
           </a:p>
@@ -1339,7 +1339,7 @@
             <a:pPr rtl="0"/>
             <a:fld id="{077E0CED-BF29-4F0C-9AA9-0115D5713A3C}" type="datetime1">
               <a:rPr lang="es-ES" noProof="0" smtClean="0"/>
-              <a:t>24/05/2025</a:t>
+              <a:t>25/05/2025</a:t>
             </a:fld>
             <a:endParaRPr lang="es-ES" noProof="0"/>
           </a:p>
@@ -1621,7 +1621,7 @@
             <a:pPr rtl="0"/>
             <a:fld id="{34F880D4-439E-4610-9C3E-7002ADF72D68}" type="datetime1">
               <a:rPr lang="es-ES" noProof="0" smtClean="0"/>
-              <a:t>24/05/2025</a:t>
+              <a:t>25/05/2025</a:t>
             </a:fld>
             <a:endParaRPr lang="es-ES" noProof="0"/>
           </a:p>
@@ -1986,7 +1986,7 @@
           </a:bodyPr>
           <a:lstStyle>
             <a:lvl1pPr algn="l">
-              <a:defRPr sz="3200" b="0" cap="none">
+              <a:defRPr sz="2400" b="0" cap="none">
                 <a:solidFill>
                   <a:schemeClr val="tx1"/>
                 </a:solidFill>
@@ -1996,7 +1996,7 @@
           <a:p>
             <a:pPr rtl="0"/>
             <a:r>
-              <a:rPr lang="es-ES" noProof="0"/>
+              <a:rPr lang="es-ES" noProof="0" dirty="0"/>
               <a:t>Haga clic para modificar el estilo de título del patrón</a:t>
             </a:r>
           </a:p>
@@ -2435,7 +2435,7 @@
           </a:bodyPr>
           <a:lstStyle>
             <a:lvl1pPr algn="l">
-              <a:defRPr sz="3200" b="0" cap="none">
+              <a:defRPr sz="2400" b="0" cap="none">
                 <a:solidFill>
                   <a:schemeClr val="tx1"/>
                 </a:solidFill>
@@ -2474,40 +2474,58 @@
           </a:xfrm>
         </p:spPr>
         <p:txBody>
-          <a:bodyPr/>
-          <a:lstStyle/>
+          <a:bodyPr>
+            <a:normAutofit/>
+          </a:bodyPr>
+          <a:lstStyle>
+            <a:lvl1pPr>
+              <a:defRPr sz="1800"/>
+            </a:lvl1pPr>
+            <a:lvl2pPr>
+              <a:defRPr sz="1800"/>
+            </a:lvl2pPr>
+            <a:lvl3pPr>
+              <a:defRPr sz="1800"/>
+            </a:lvl3pPr>
+            <a:lvl4pPr>
+              <a:defRPr sz="1800"/>
+            </a:lvl4pPr>
+            <a:lvl5pPr>
+              <a:defRPr sz="1800"/>
+            </a:lvl5pPr>
+          </a:lstStyle>
           <a:p>
             <a:pPr lvl="0"/>
             <a:r>
-              <a:rPr lang="es-ES"/>
+              <a:rPr lang="es-ES" dirty="0"/>
               <a:t>Haga clic para modificar los estilos de texto del patrón</a:t>
             </a:r>
           </a:p>
           <a:p>
             <a:pPr lvl="1"/>
             <a:r>
-              <a:rPr lang="es-ES"/>
+              <a:rPr lang="es-ES" dirty="0"/>
               <a:t>Segundo nivel</a:t>
             </a:r>
           </a:p>
           <a:p>
             <a:pPr lvl="2"/>
             <a:r>
-              <a:rPr lang="es-ES"/>
+              <a:rPr lang="es-ES" dirty="0"/>
               <a:t>Tercer nivel</a:t>
             </a:r>
           </a:p>
           <a:p>
             <a:pPr lvl="3"/>
             <a:r>
-              <a:rPr lang="es-ES"/>
+              <a:rPr lang="es-ES" dirty="0"/>
               <a:t>Cuarto nivel</a:t>
             </a:r>
           </a:p>
           <a:p>
             <a:pPr lvl="4"/>
             <a:r>
-              <a:rPr lang="es-ES"/>
+              <a:rPr lang="es-ES" dirty="0"/>
               <a:t>Quinto nivel</a:t>
             </a:r>
           </a:p>
@@ -2857,7 +2875,7 @@
           </a:bodyPr>
           <a:lstStyle>
             <a:lvl1pPr algn="l">
-              <a:defRPr sz="3200" b="0" cap="none">
+              <a:defRPr sz="2400" b="0" cap="none">
                 <a:solidFill>
                   <a:schemeClr val="tx1"/>
                 </a:solidFill>
@@ -2896,40 +2914,58 @@
           </a:xfrm>
         </p:spPr>
         <p:txBody>
-          <a:bodyPr/>
-          <a:lstStyle/>
+          <a:bodyPr>
+            <a:normAutofit/>
+          </a:bodyPr>
+          <a:lstStyle>
+            <a:lvl1pPr>
+              <a:defRPr sz="1800"/>
+            </a:lvl1pPr>
+            <a:lvl2pPr>
+              <a:defRPr sz="1800"/>
+            </a:lvl2pPr>
+            <a:lvl3pPr>
+              <a:defRPr sz="1800"/>
+            </a:lvl3pPr>
+            <a:lvl4pPr>
+              <a:defRPr sz="1800"/>
+            </a:lvl4pPr>
+            <a:lvl5pPr>
+              <a:defRPr sz="1800"/>
+            </a:lvl5pPr>
+          </a:lstStyle>
           <a:p>
             <a:pPr lvl="0"/>
             <a:r>
-              <a:rPr lang="es-ES"/>
+              <a:rPr lang="es-ES" dirty="0"/>
               <a:t>Haga clic para modificar los estilos de texto del patrón</a:t>
             </a:r>
           </a:p>
           <a:p>
             <a:pPr lvl="1"/>
             <a:r>
-              <a:rPr lang="es-ES"/>
+              <a:rPr lang="es-ES" dirty="0"/>
               <a:t>Segundo nivel</a:t>
             </a:r>
           </a:p>
           <a:p>
             <a:pPr lvl="2"/>
             <a:r>
-              <a:rPr lang="es-ES"/>
+              <a:rPr lang="es-ES" dirty="0"/>
               <a:t>Tercer nivel</a:t>
             </a:r>
           </a:p>
           <a:p>
             <a:pPr lvl="3"/>
             <a:r>
-              <a:rPr lang="es-ES"/>
+              <a:rPr lang="es-ES" dirty="0"/>
               <a:t>Cuarto nivel</a:t>
             </a:r>
           </a:p>
           <a:p>
             <a:pPr lvl="4"/>
             <a:r>
-              <a:rPr lang="es-ES"/>
+              <a:rPr lang="es-ES" dirty="0"/>
               <a:t>Quinto nivel</a:t>
             </a:r>
           </a:p>
@@ -3279,7 +3315,7 @@
           </a:bodyPr>
           <a:lstStyle>
             <a:lvl1pPr algn="l">
-              <a:defRPr sz="3200" b="0" cap="none">
+              <a:defRPr sz="2400" b="0" cap="none">
                 <a:solidFill>
                   <a:schemeClr val="tx1"/>
                 </a:solidFill>
@@ -3318,8 +3354,26 @@
           </a:xfrm>
         </p:spPr>
         <p:txBody>
-          <a:bodyPr/>
-          <a:lstStyle/>
+          <a:bodyPr>
+            <a:normAutofit/>
+          </a:bodyPr>
+          <a:lstStyle>
+            <a:lvl1pPr>
+              <a:defRPr sz="1800"/>
+            </a:lvl1pPr>
+            <a:lvl2pPr>
+              <a:defRPr sz="1800"/>
+            </a:lvl2pPr>
+            <a:lvl3pPr>
+              <a:defRPr sz="1800"/>
+            </a:lvl3pPr>
+            <a:lvl4pPr>
+              <a:defRPr sz="1800"/>
+            </a:lvl4pPr>
+            <a:lvl5pPr>
+              <a:defRPr sz="1800"/>
+            </a:lvl5pPr>
+          </a:lstStyle>
           <a:p>
             <a:pPr lvl="0"/>
             <a:r>
@@ -3539,7 +3593,7 @@
             <a:pPr rtl="0"/>
             <a:fld id="{3D295882-27AA-4631-9331-D93597626FFA}" type="datetime1">
               <a:rPr lang="es-ES" noProof="0" smtClean="0"/>
-              <a:t>24/05/2025</a:t>
+              <a:t>25/05/2025</a:t>
             </a:fld>
             <a:endParaRPr lang="es-ES" noProof="0"/>
           </a:p>
@@ -3818,7 +3872,7 @@
             <a:pPr rtl="0"/>
             <a:fld id="{839AA68A-2C9F-4F93-9A12-B546EF9950E3}" type="datetime1">
               <a:rPr lang="es-ES" noProof="0" smtClean="0"/>
-              <a:t>24/05/2025</a:t>
+              <a:t>25/05/2025</a:t>
             </a:fld>
             <a:endParaRPr lang="es-ES" noProof="0"/>
           </a:p>
@@ -4086,7 +4140,7 @@
             <a:pPr rtl="0"/>
             <a:fld id="{744D0B13-414C-489C-BD27-AC542C962F8C}" type="datetime1">
               <a:rPr lang="es-ES" noProof="0" smtClean="0"/>
-              <a:t>24/05/2025</a:t>
+              <a:t>25/05/2025</a:t>
             </a:fld>
             <a:endParaRPr lang="es-ES" noProof="0"/>
           </a:p>
@@ -4461,7 +4515,7 @@
             <a:pPr rtl="0"/>
             <a:fld id="{4795B55D-B831-4E7C-9B5B-10572D70AAC1}" type="datetime1">
               <a:rPr lang="es-ES" noProof="0" smtClean="0"/>
-              <a:t>24/05/2025</a:t>
+              <a:t>25/05/2025</a:t>
             </a:fld>
             <a:endParaRPr lang="es-ES" noProof="0"/>
           </a:p>
@@ -4612,7 +4666,7 @@
             <a:pPr rtl="0"/>
             <a:fld id="{A81EFD60-9F29-4E84-B34D-5A4A32F8F177}" type="datetime1">
               <a:rPr lang="es-ES" noProof="0" smtClean="0"/>
-              <a:t>24/05/2025</a:t>
+              <a:t>25/05/2025</a:t>
             </a:fld>
             <a:endParaRPr lang="es-ES" noProof="0"/>
           </a:p>
@@ -4965,7 +5019,7 @@
             <a:pPr rtl="0"/>
             <a:fld id="{D08C6E3D-7AEB-4E32-A201-6C2FD4755C7B}" type="datetime1">
               <a:rPr lang="es-ES" noProof="0" smtClean="0"/>
-              <a:t>24/05/2025</a:t>
+              <a:t>25/05/2025</a:t>
             </a:fld>
             <a:endParaRPr lang="es-ES" noProof="0"/>
           </a:p>
@@ -5293,7 +5347,7 @@
             <a:pPr rtl="0"/>
             <a:fld id="{63369E75-D520-456D-AA7B-A5719B0A1CFB}" type="datetime1">
               <a:rPr lang="es-ES" noProof="0" smtClean="0"/>
-              <a:t>24/05/2025</a:t>
+              <a:t>25/05/2025</a:t>
             </a:fld>
             <a:endParaRPr lang="es-ES" noProof="0"/>
           </a:p>
@@ -5510,7 +5564,7 @@
             <a:pPr rtl="0"/>
             <a:fld id="{D4FAD132-1BC9-40CE-BE05-559C781AA0B0}" type="datetime1">
               <a:rPr lang="es-ES" noProof="0" smtClean="0"/>
-              <a:t>24/05/2025</a:t>
+              <a:t>25/05/2025</a:t>
             </a:fld>
             <a:endParaRPr lang="es-ES" noProof="0" dirty="0"/>
           </a:p>
@@ -6207,10 +6261,12 @@
         </p:nvSpPr>
         <p:spPr/>
         <p:txBody>
-          <a:bodyPr/>
+          <a:bodyPr>
+            <a:normAutofit/>
+          </a:bodyPr>
           <a:lstStyle/>
           <a:p>
-            <a:endParaRPr lang="es-ES"/>
+            <a:endParaRPr lang="es-ES" sz="2400" dirty="0"/>
           </a:p>
         </p:txBody>
       </p:sp>
@@ -6232,10 +6288,12 @@
         </p:nvSpPr>
         <p:spPr/>
         <p:txBody>
-          <a:bodyPr/>
+          <a:bodyPr>
+            <a:normAutofit/>
+          </a:bodyPr>
           <a:lstStyle/>
           <a:p>
-            <a:endParaRPr lang="es-ES"/>
+            <a:endParaRPr lang="es-ES" sz="2000" dirty="0"/>
           </a:p>
         </p:txBody>
       </p:sp>
@@ -6312,10 +6370,12 @@
         </p:nvSpPr>
         <p:spPr/>
         <p:txBody>
-          <a:bodyPr/>
+          <a:bodyPr>
+            <a:normAutofit/>
+          </a:bodyPr>
           <a:lstStyle/>
           <a:p>
-            <a:endParaRPr lang="es-ES"/>
+            <a:endParaRPr lang="es-ES" sz="2400" dirty="0"/>
           </a:p>
         </p:txBody>
       </p:sp>
@@ -6340,7 +6400,7 @@
           <a:bodyPr/>
           <a:lstStyle/>
           <a:p>
-            <a:endParaRPr lang="es-ES"/>
+            <a:endParaRPr lang="es-ES" dirty="0"/>
           </a:p>
         </p:txBody>
       </p:sp>
@@ -7407,6 +7467,24 @@
 </file>
 
 <file path=customXml/item1.xml><?xml version="1.0" encoding="utf-8"?>
+<?mso-contentType ?>
+<FormTemplates xmlns="http://schemas.microsoft.com/sharepoint/v3/contenttype/forms">
+  <Display>DocumentLibraryForm</Display>
+  <Edit>DocumentLibraryForm</Edit>
+  <New>DocumentLibraryForm</New>
+</FormTemplates>
+</file>
+
+<file path=customXml/item2.xml><?xml version="1.0" encoding="utf-8"?>
+<p:properties xmlns:p="http://schemas.microsoft.com/office/2006/metadata/properties" xmlns:xsi="http://www.w3.org/2001/XMLSchema-instance" xmlns:pc="http://schemas.microsoft.com/office/infopath/2007/PartnerControls">
+  <documentManagement>
+    <Status xmlns="71af3243-3dd4-4a8d-8c0d-dd76da1f02a5">Not started</Status>
+    <MediaServiceKeyPoints xmlns="71af3243-3dd4-4a8d-8c0d-dd76da1f02a5" xsi:nil="true"/>
+  </documentManagement>
+</p:properties>
+</file>
+
+<file path=customXml/item3.xml><?xml version="1.0" encoding="utf-8"?>
 <ct:contentTypeSchema xmlns:ct="http://schemas.microsoft.com/office/2006/metadata/contentType" xmlns:ma="http://schemas.microsoft.com/office/2006/metadata/properties/metaAttributes" ct:_="" ma:_="" ma:contentTypeName="Document" ma:contentTypeID="0x01010079F111ED35F8CC479449609E8A0923A6" ma:contentTypeVersion="12" ma:contentTypeDescription="Create a new document." ma:contentTypeScope="" ma:versionID="93813dd7ca6ad654711aa0ab317e03a3">
   <xsd:schema xmlns:xsd="http://www.w3.org/2001/XMLSchema" xmlns:xs="http://www.w3.org/2001/XMLSchema" xmlns:p="http://schemas.microsoft.com/office/2006/metadata/properties" xmlns:ns2="71af3243-3dd4-4a8d-8c0d-dd76da1f02a5" xmlns:ns3="16c05727-aa75-4e4a-9b5f-8a80a1165891" targetNamespace="http://schemas.microsoft.com/office/2006/metadata/properties" ma:root="true" ma:fieldsID="f11dc0ce689dd3925e84e4e35398c6e7" ns2:_="" ns3:_="">
     <xsd:import namespace="71af3243-3dd4-4a8d-8c0d-dd76da1f02a5"/>
@@ -7627,25 +7705,25 @@
 </ct:contentTypeSchema>
 </file>
 
-<file path=customXml/item2.xml><?xml version="1.0" encoding="utf-8"?>
-<p:properties xmlns:p="http://schemas.microsoft.com/office/2006/metadata/properties" xmlns:xsi="http://www.w3.org/2001/XMLSchema-instance" xmlns:pc="http://schemas.microsoft.com/office/infopath/2007/PartnerControls">
-  <documentManagement>
-    <Status xmlns="71af3243-3dd4-4a8d-8c0d-dd76da1f02a5">Not started</Status>
-    <MediaServiceKeyPoints xmlns="71af3243-3dd4-4a8d-8c0d-dd76da1f02a5" xsi:nil="true"/>
-  </documentManagement>
-</p:properties>
+<file path=customXml/itemProps1.xml><?xml version="1.0" encoding="utf-8"?>
+<ds:datastoreItem xmlns:ds="http://schemas.openxmlformats.org/officeDocument/2006/customXml" ds:itemID="{A0D51BCB-0419-432E-B7F1-25548446A625}">
+  <ds:schemaRefs>
+    <ds:schemaRef ds:uri="http://schemas.microsoft.com/sharepoint/v3/contenttype/forms"/>
+  </ds:schemaRefs>
+</ds:datastoreItem>
 </file>
 
-<file path=customXml/item3.xml><?xml version="1.0" encoding="utf-8"?>
-<?mso-contentType ?>
-<FormTemplates xmlns="http://schemas.microsoft.com/sharepoint/v3/contenttype/forms">
-  <Display>DocumentLibraryForm</Display>
-  <Edit>DocumentLibraryForm</Edit>
-  <New>DocumentLibraryForm</New>
-</FormTemplates>
+<file path=customXml/itemProps2.xml><?xml version="1.0" encoding="utf-8"?>
+<ds:datastoreItem xmlns:ds="http://schemas.openxmlformats.org/officeDocument/2006/customXml" ds:itemID="{1F08B90B-70ED-4539-9C14-FB2728D9064F}">
+  <ds:schemaRefs>
+    <ds:schemaRef ds:uri="http://schemas.microsoft.com/office/2006/metadata/properties"/>
+    <ds:schemaRef ds:uri="http://schemas.microsoft.com/office/infopath/2007/PartnerControls"/>
+    <ds:schemaRef ds:uri="71af3243-3dd4-4a8d-8c0d-dd76da1f02a5"/>
+  </ds:schemaRefs>
+</ds:datastoreItem>
 </file>
 
-<file path=customXml/itemProps1.xml><?xml version="1.0" encoding="utf-8"?>
+<file path=customXml/itemProps3.xml><?xml version="1.0" encoding="utf-8"?>
 <ds:datastoreItem xmlns:ds="http://schemas.openxmlformats.org/officeDocument/2006/customXml" ds:itemID="{9E8D3305-1D9D-4BC8-A40F-6F8AE50BD76B}">
   <ds:schemaRefs>
     <ds:schemaRef ds:uri="http://schemas.microsoft.com/office/2006/metadata/contentType"/>
@@ -7662,22 +7740,4 @@
     <ds:schemaRef ds:uri="http://schemas.microsoft.com/internal/obd"/>
   </ds:schemaRefs>
 </ds:datastoreItem>
-</file>
-
-<file path=customXml/itemProps2.xml><?xml version="1.0" encoding="utf-8"?>
-<ds:datastoreItem xmlns:ds="http://schemas.openxmlformats.org/officeDocument/2006/customXml" ds:itemID="{1F08B90B-70ED-4539-9C14-FB2728D9064F}">
-  <ds:schemaRefs>
-    <ds:schemaRef ds:uri="http://schemas.microsoft.com/office/2006/metadata/properties"/>
-    <ds:schemaRef ds:uri="http://schemas.microsoft.com/office/infopath/2007/PartnerControls"/>
-    <ds:schemaRef ds:uri="71af3243-3dd4-4a8d-8c0d-dd76da1f02a5"/>
-  </ds:schemaRefs>
-</ds:datastoreItem>
-</file>
-
-<file path=customXml/itemProps3.xml><?xml version="1.0" encoding="utf-8"?>
-<ds:datastoreItem xmlns:ds="http://schemas.openxmlformats.org/officeDocument/2006/customXml" ds:itemID="{A0D51BCB-0419-432E-B7F1-25548446A625}">
-  <ds:schemaRefs>
-    <ds:schemaRef ds:uri="http://schemas.microsoft.com/sharepoint/v3/contenttype/forms"/>
-  </ds:schemaRefs>
-</ds:datastoreItem>
 </file>